--- a/Design - Outline Architecture.pptx
+++ b/Design - Outline Architecture.pptx
@@ -6,6 +6,7 @@
   </p:sldMasterIdLst>
   <p:sldIdLst>
     <p:sldId id="256" r:id="rId2"/>
+    <p:sldId id="257" r:id="rId3"/>
   </p:sldIdLst>
   <p:sldSz cx="12192000" cy="6858000"/>
   <p:notesSz cx="6858000" cy="9144000"/>
@@ -104,6 +105,11 @@
       </a:defRPr>
     </a:lvl9pPr>
   </p:defaultTextStyle>
+  <p:extLst>
+    <p:ext uri="{EFAFB233-063F-42B5-8137-9DF3F51BA10A}">
+      <p15:sldGuideLst xmlns:p15="http://schemas.microsoft.com/office/powerpoint/2012/main"/>
+    </p:ext>
+  </p:extLst>
 </p:presentation>
 </file>
 
@@ -4592,7 +4598,7 @@
         <p:spPr>
           <a:xfrm>
             <a:off x="463651" y="419602"/>
-            <a:ext cx="2058465" cy="369332"/>
+            <a:ext cx="2058465" cy="646331"/>
           </a:xfrm>
           <a:prstGeom prst="rect">
             <a:avLst/>
@@ -4608,7 +4614,18 @@
             <a:pPr algn="ctr"/>
             <a:r>
               <a:rPr lang="en-GB" dirty="0"/>
-              <a:t>Service / API Facade</a:t>
+              <a:t>Service </a:t>
+            </a:r>
+            <a:r>
+              <a:rPr lang="en-GB" sz="1100" dirty="0"/>
+              <a:t>or</a:t>
+            </a:r>
+          </a:p>
+          <a:p>
+            <a:pPr algn="ctr"/>
+            <a:r>
+              <a:rPr lang="en-GB" dirty="0"/>
+              <a:t>API / Facade</a:t>
             </a:r>
           </a:p>
         </p:txBody>
@@ -4669,7 +4686,7 @@
                   <a:schemeClr val="tx1"/>
                 </a:solidFill>
               </a:rPr>
-              <a:t>Go CLI</a:t>
+              <a:t>CLI</a:t>
             </a:r>
           </a:p>
         </p:txBody>
@@ -4757,10 +4774,301 @@
           </a:fontRef>
         </p:style>
       </p:cxnSp>
+      <p:sp>
+        <p:nvSpPr>
+          <p:cNvPr id="31" name="Rectangle 30">
+            <a:extLst>
+              <a:ext uri="{FF2B5EF4-FFF2-40B4-BE49-F238E27FC236}">
+                <a16:creationId xmlns:a16="http://schemas.microsoft.com/office/drawing/2014/main" id="{4AC10A31-BB67-4D2E-B20E-5328F553E601}"/>
+              </a:ext>
+            </a:extLst>
+          </p:cNvPr>
+          <p:cNvSpPr/>
+          <p:nvPr/>
+        </p:nvSpPr>
+        <p:spPr>
+          <a:xfrm rot="16200000">
+            <a:off x="517840" y="4064088"/>
+            <a:ext cx="3264795" cy="532863"/>
+          </a:xfrm>
+          <a:prstGeom prst="rect">
+            <a:avLst/>
+          </a:prstGeom>
+          <a:solidFill>
+            <a:schemeClr val="bg1"/>
+          </a:solidFill>
+          <a:ln w="19050">
+            <a:solidFill>
+              <a:schemeClr val="accent6"/>
+            </a:solidFill>
+          </a:ln>
+        </p:spPr>
+        <p:style>
+          <a:lnRef idx="2">
+            <a:schemeClr val="accent1">
+              <a:shade val="50000"/>
+            </a:schemeClr>
+          </a:lnRef>
+          <a:fillRef idx="1">
+            <a:schemeClr val="accent1"/>
+          </a:fillRef>
+          <a:effectRef idx="0">
+            <a:schemeClr val="accent1"/>
+          </a:effectRef>
+          <a:fontRef idx="minor">
+            <a:schemeClr val="lt1"/>
+          </a:fontRef>
+        </p:style>
+        <p:txBody>
+          <a:bodyPr rtlCol="0" anchor="ctr"/>
+          <a:lstStyle/>
+          <a:p>
+            <a:pPr algn="ctr"/>
+            <a:r>
+              <a:rPr lang="en-GB" dirty="0">
+                <a:solidFill>
+                  <a:schemeClr val="accent6"/>
+                </a:solidFill>
+              </a:rPr>
+              <a:t>Authenticate / Authorise</a:t>
+            </a:r>
+          </a:p>
+        </p:txBody>
+      </p:sp>
+      <p:sp>
+        <p:nvSpPr>
+          <p:cNvPr id="33" name="Rectangle 32">
+            <a:extLst>
+              <a:ext uri="{FF2B5EF4-FFF2-40B4-BE49-F238E27FC236}">
+                <a16:creationId xmlns:a16="http://schemas.microsoft.com/office/drawing/2014/main" id="{3CE1504E-E092-4DDC-AD18-D6F3A0354D9F}"/>
+              </a:ext>
+            </a:extLst>
+          </p:cNvPr>
+          <p:cNvSpPr/>
+          <p:nvPr/>
+        </p:nvSpPr>
+        <p:spPr>
+          <a:xfrm>
+            <a:off x="459347" y="2684169"/>
+            <a:ext cx="1204444" cy="1293255"/>
+          </a:xfrm>
+          <a:prstGeom prst="rect">
+            <a:avLst/>
+          </a:prstGeom>
+          <a:solidFill>
+            <a:schemeClr val="bg1"/>
+          </a:solidFill>
+          <a:ln w="19050">
+            <a:solidFill>
+              <a:schemeClr val="accent1"/>
+            </a:solidFill>
+          </a:ln>
+        </p:spPr>
+        <p:style>
+          <a:lnRef idx="2">
+            <a:schemeClr val="accent1">
+              <a:shade val="50000"/>
+            </a:schemeClr>
+          </a:lnRef>
+          <a:fillRef idx="1">
+            <a:schemeClr val="accent1"/>
+          </a:fillRef>
+          <a:effectRef idx="0">
+            <a:schemeClr val="accent1"/>
+          </a:effectRef>
+          <a:fontRef idx="minor">
+            <a:schemeClr val="lt1"/>
+          </a:fontRef>
+        </p:style>
+        <p:txBody>
+          <a:bodyPr rtlCol="0" anchor="ctr"/>
+          <a:lstStyle/>
+          <a:p>
+            <a:pPr algn="ctr"/>
+            <a:r>
+              <a:rPr lang="en-GB" dirty="0">
+                <a:solidFill>
+                  <a:schemeClr val="tx1"/>
+                </a:solidFill>
+              </a:rPr>
+              <a:t>REST</a:t>
+            </a:r>
+          </a:p>
+          <a:p>
+            <a:pPr algn="ctr"/>
+            <a:r>
+              <a:rPr lang="en-GB" dirty="0">
+                <a:solidFill>
+                  <a:schemeClr val="tx1"/>
+                </a:solidFill>
+              </a:rPr>
+              <a:t>API</a:t>
+            </a:r>
+          </a:p>
+        </p:txBody>
+      </p:sp>
     </p:spTree>
     <p:extLst>
       <p:ext uri="{BB962C8B-B14F-4D97-AF65-F5344CB8AC3E}">
         <p14:creationId xmlns:p14="http://schemas.microsoft.com/office/powerpoint/2010/main" val="1416243668"/>
+      </p:ext>
+    </p:extLst>
+  </p:cSld>
+  <p:clrMapOvr>
+    <a:masterClrMapping/>
+  </p:clrMapOvr>
+</p:sld>
+</file>
+
+<file path=ppt/slides/slide2.xml><?xml version="1.0" encoding="utf-8"?>
+<p:sld xmlns:a="http://schemas.openxmlformats.org/drawingml/2006/main" xmlns:r="http://schemas.openxmlformats.org/officeDocument/2006/relationships" xmlns:p="http://schemas.openxmlformats.org/presentationml/2006/main">
+  <p:cSld>
+    <p:spTree>
+      <p:nvGrpSpPr>
+        <p:cNvPr id="1" name=""/>
+        <p:cNvGrpSpPr/>
+        <p:nvPr/>
+      </p:nvGrpSpPr>
+      <p:grpSpPr>
+        <a:xfrm>
+          <a:off x="0" y="0"/>
+          <a:ext cx="0" cy="0"/>
+          <a:chOff x="0" y="0"/>
+          <a:chExt cx="0" cy="0"/>
+        </a:xfrm>
+      </p:grpSpPr>
+      <p:grpSp>
+        <p:nvGrpSpPr>
+          <p:cNvPr id="6" name="Group 5">
+            <a:extLst>
+              <a:ext uri="{FF2B5EF4-FFF2-40B4-BE49-F238E27FC236}">
+                <a16:creationId xmlns:a16="http://schemas.microsoft.com/office/drawing/2014/main" id="{90207DE5-343B-4672-AB3A-325DB273DBD9}"/>
+              </a:ext>
+            </a:extLst>
+          </p:cNvPr>
+          <p:cNvGrpSpPr/>
+          <p:nvPr/>
+        </p:nvGrpSpPr>
+        <p:grpSpPr>
+          <a:xfrm>
+            <a:off x="424997" y="463639"/>
+            <a:ext cx="10998564" cy="1986566"/>
+            <a:chOff x="682574" y="1442434"/>
+            <a:chExt cx="6825809" cy="1986566"/>
+          </a:xfrm>
+          <a:noFill/>
+        </p:grpSpPr>
+        <p:sp>
+          <p:nvSpPr>
+            <p:cNvPr id="5" name="Rectangle 4">
+              <a:extLst>
+                <a:ext uri="{FF2B5EF4-FFF2-40B4-BE49-F238E27FC236}">
+                  <a16:creationId xmlns:a16="http://schemas.microsoft.com/office/drawing/2014/main" id="{70ADB321-50CA-4043-974F-985BDA0FDFB2}"/>
+                </a:ext>
+              </a:extLst>
+            </p:cNvPr>
+            <p:cNvSpPr/>
+            <p:nvPr/>
+          </p:nvSpPr>
+          <p:spPr>
+            <a:xfrm>
+              <a:off x="682574" y="1442434"/>
+              <a:ext cx="6825809" cy="1986566"/>
+            </a:xfrm>
+            <a:prstGeom prst="rect">
+              <a:avLst/>
+            </a:prstGeom>
+            <a:grpFill/>
+          </p:spPr>
+          <p:style>
+            <a:lnRef idx="2">
+              <a:schemeClr val="accent1">
+                <a:shade val="50000"/>
+              </a:schemeClr>
+            </a:lnRef>
+            <a:fillRef idx="1">
+              <a:schemeClr val="accent1"/>
+            </a:fillRef>
+            <a:effectRef idx="0">
+              <a:schemeClr val="accent1"/>
+            </a:effectRef>
+            <a:fontRef idx="minor">
+              <a:schemeClr val="lt1"/>
+            </a:fontRef>
+          </p:style>
+          <p:txBody>
+            <a:bodyPr rtlCol="0" anchor="ctr"/>
+            <a:lstStyle/>
+            <a:p>
+              <a:pPr algn="ctr"/>
+              <a:endParaRPr lang="en-GB"/>
+            </a:p>
+          </p:txBody>
+        </p:sp>
+        <p:sp>
+          <p:nvSpPr>
+            <p:cNvPr id="4" name="Rectangle 3">
+              <a:extLst>
+                <a:ext uri="{FF2B5EF4-FFF2-40B4-BE49-F238E27FC236}">
+                  <a16:creationId xmlns:a16="http://schemas.microsoft.com/office/drawing/2014/main" id="{F0C18116-4CDD-4B07-BF4A-F731B4DC6500}"/>
+                </a:ext>
+              </a:extLst>
+            </p:cNvPr>
+            <p:cNvSpPr/>
+            <p:nvPr/>
+          </p:nvSpPr>
+          <p:spPr>
+            <a:xfrm>
+              <a:off x="682574" y="1442434"/>
+              <a:ext cx="1198916" cy="426076"/>
+            </a:xfrm>
+            <a:prstGeom prst="rect">
+              <a:avLst/>
+            </a:prstGeom>
+            <a:grpFill/>
+            <a:ln w="19050">
+              <a:solidFill>
+                <a:schemeClr val="accent1"/>
+              </a:solidFill>
+            </a:ln>
+          </p:spPr>
+          <p:style>
+            <a:lnRef idx="2">
+              <a:schemeClr val="accent1">
+                <a:shade val="50000"/>
+              </a:schemeClr>
+            </a:lnRef>
+            <a:fillRef idx="1">
+              <a:schemeClr val="accent1"/>
+            </a:fillRef>
+            <a:effectRef idx="0">
+              <a:schemeClr val="accent1"/>
+            </a:effectRef>
+            <a:fontRef idx="minor">
+              <a:schemeClr val="lt1"/>
+            </a:fontRef>
+          </p:style>
+          <p:txBody>
+            <a:bodyPr rtlCol="0" anchor="ctr"/>
+            <a:lstStyle/>
+            <a:p>
+              <a:pPr algn="ctr"/>
+              <a:r>
+                <a:rPr lang="en-GB" dirty="0">
+                  <a:solidFill>
+                    <a:schemeClr val="tx1"/>
+                  </a:solidFill>
+                </a:rPr>
+                <a:t>Manage Files</a:t>
+              </a:r>
+            </a:p>
+          </p:txBody>
+        </p:sp>
+      </p:grpSp>
+    </p:spTree>
+    <p:extLst>
+      <p:ext uri="{BB962C8B-B14F-4D97-AF65-F5344CB8AC3E}">
+        <p14:creationId xmlns:p14="http://schemas.microsoft.com/office/powerpoint/2010/main" val="1362816423"/>
       </p:ext>
     </p:extLst>
   </p:cSld>

--- a/Design - Outline Architecture.pptx
+++ b/Design - Outline Architecture.pptx
@@ -262,7 +262,7 @@
           <a:p>
             <a:fld id="{39BBAB60-A295-44D6-8083-8E1C5275B046}" type="datetimeFigureOut">
               <a:rPr lang="en-GB" smtClean="0"/>
-              <a:t>28/02/2019</a:t>
+              <a:t>01/03/2019</a:t>
             </a:fld>
             <a:endParaRPr lang="en-GB"/>
           </a:p>
@@ -462,7 +462,7 @@
           <a:p>
             <a:fld id="{39BBAB60-A295-44D6-8083-8E1C5275B046}" type="datetimeFigureOut">
               <a:rPr lang="en-GB" smtClean="0"/>
-              <a:t>28/02/2019</a:t>
+              <a:t>01/03/2019</a:t>
             </a:fld>
             <a:endParaRPr lang="en-GB"/>
           </a:p>
@@ -672,7 +672,7 @@
           <a:p>
             <a:fld id="{39BBAB60-A295-44D6-8083-8E1C5275B046}" type="datetimeFigureOut">
               <a:rPr lang="en-GB" smtClean="0"/>
-              <a:t>28/02/2019</a:t>
+              <a:t>01/03/2019</a:t>
             </a:fld>
             <a:endParaRPr lang="en-GB"/>
           </a:p>
@@ -872,7 +872,7 @@
           <a:p>
             <a:fld id="{39BBAB60-A295-44D6-8083-8E1C5275B046}" type="datetimeFigureOut">
               <a:rPr lang="en-GB" smtClean="0"/>
-              <a:t>28/02/2019</a:t>
+              <a:t>01/03/2019</a:t>
             </a:fld>
             <a:endParaRPr lang="en-GB"/>
           </a:p>
@@ -1148,7 +1148,7 @@
           <a:p>
             <a:fld id="{39BBAB60-A295-44D6-8083-8E1C5275B046}" type="datetimeFigureOut">
               <a:rPr lang="en-GB" smtClean="0"/>
-              <a:t>28/02/2019</a:t>
+              <a:t>01/03/2019</a:t>
             </a:fld>
             <a:endParaRPr lang="en-GB"/>
           </a:p>
@@ -1416,7 +1416,7 @@
           <a:p>
             <a:fld id="{39BBAB60-A295-44D6-8083-8E1C5275B046}" type="datetimeFigureOut">
               <a:rPr lang="en-GB" smtClean="0"/>
-              <a:t>28/02/2019</a:t>
+              <a:t>01/03/2019</a:t>
             </a:fld>
             <a:endParaRPr lang="en-GB"/>
           </a:p>
@@ -1831,7 +1831,7 @@
           <a:p>
             <a:fld id="{39BBAB60-A295-44D6-8083-8E1C5275B046}" type="datetimeFigureOut">
               <a:rPr lang="en-GB" smtClean="0"/>
-              <a:t>28/02/2019</a:t>
+              <a:t>01/03/2019</a:t>
             </a:fld>
             <a:endParaRPr lang="en-GB"/>
           </a:p>
@@ -1973,7 +1973,7 @@
           <a:p>
             <a:fld id="{39BBAB60-A295-44D6-8083-8E1C5275B046}" type="datetimeFigureOut">
               <a:rPr lang="en-GB" smtClean="0"/>
-              <a:t>28/02/2019</a:t>
+              <a:t>01/03/2019</a:t>
             </a:fld>
             <a:endParaRPr lang="en-GB"/>
           </a:p>
@@ -2086,7 +2086,7 @@
           <a:p>
             <a:fld id="{39BBAB60-A295-44D6-8083-8E1C5275B046}" type="datetimeFigureOut">
               <a:rPr lang="en-GB" smtClean="0"/>
-              <a:t>28/02/2019</a:t>
+              <a:t>01/03/2019</a:t>
             </a:fld>
             <a:endParaRPr lang="en-GB"/>
           </a:p>
@@ -2399,7 +2399,7 @@
           <a:p>
             <a:fld id="{39BBAB60-A295-44D6-8083-8E1C5275B046}" type="datetimeFigureOut">
               <a:rPr lang="en-GB" smtClean="0"/>
-              <a:t>28/02/2019</a:t>
+              <a:t>01/03/2019</a:t>
             </a:fld>
             <a:endParaRPr lang="en-GB"/>
           </a:p>
@@ -2688,7 +2688,7 @@
           <a:p>
             <a:fld id="{39BBAB60-A295-44D6-8083-8E1C5275B046}" type="datetimeFigureOut">
               <a:rPr lang="en-GB" smtClean="0"/>
-              <a:t>28/02/2019</a:t>
+              <a:t>01/03/2019</a:t>
             </a:fld>
             <a:endParaRPr lang="en-GB"/>
           </a:p>
@@ -2931,7 +2931,7 @@
           <a:p>
             <a:fld id="{39BBAB60-A295-44D6-8083-8E1C5275B046}" type="datetimeFigureOut">
               <a:rPr lang="en-GB" smtClean="0"/>
-              <a:t>28/02/2019</a:t>
+              <a:t>01/03/2019</a:t>
             </a:fld>
             <a:endParaRPr lang="en-GB"/>
           </a:p>
@@ -4247,7 +4247,7 @@
                   <a:schemeClr val="tx1"/>
                 </a:solidFill>
               </a:rPr>
-              <a:t>Manage File</a:t>
+              <a:t>Manage Files</a:t>
             </a:r>
           </a:p>
         </p:txBody>
@@ -4273,14 +4273,16 @@
             <a:avLst/>
           </a:prstGeom>
           <a:solidFill>
-            <a:schemeClr val="accent2">
-              <a:lumMod val="20000"/>
-              <a:lumOff val="80000"/>
+            <a:schemeClr val="accent4">
+              <a:lumMod val="40000"/>
+              <a:lumOff val="60000"/>
             </a:schemeClr>
           </a:solidFill>
           <a:ln>
             <a:solidFill>
-              <a:schemeClr val="accent2"/>
+              <a:schemeClr val="accent4">
+                <a:lumMod val="75000"/>
+              </a:schemeClr>
             </a:solidFill>
           </a:ln>
         </p:spPr>
@@ -4337,14 +4339,16 @@
             <a:avLst/>
           </a:prstGeom>
           <a:solidFill>
-            <a:schemeClr val="accent2">
+            <a:schemeClr val="accent6">
               <a:lumMod val="20000"/>
               <a:lumOff val="80000"/>
             </a:schemeClr>
           </a:solidFill>
           <a:ln>
             <a:solidFill>
-              <a:schemeClr val="accent2"/>
+              <a:schemeClr val="accent6">
+                <a:lumMod val="75000"/>
+              </a:schemeClr>
             </a:solidFill>
           </a:ln>
         </p:spPr>
@@ -4401,14 +4405,16 @@
             <a:avLst/>
           </a:prstGeom>
           <a:solidFill>
-            <a:schemeClr val="accent2">
+            <a:schemeClr val="accent6">
               <a:lumMod val="20000"/>
               <a:lumOff val="80000"/>
             </a:schemeClr>
           </a:solidFill>
           <a:ln>
             <a:solidFill>
-              <a:schemeClr val="accent2"/>
+              <a:schemeClr val="accent6">
+                <a:lumMod val="75000"/>
+              </a:schemeClr>
             </a:solidFill>
           </a:ln>
         </p:spPr>
@@ -4529,14 +4535,16 @@
             <a:avLst/>
           </a:prstGeom>
           <a:solidFill>
-            <a:schemeClr val="accent2">
-              <a:lumMod val="20000"/>
-              <a:lumOff val="80000"/>
+            <a:schemeClr val="accent4">
+              <a:lumMod val="40000"/>
+              <a:lumOff val="60000"/>
             </a:schemeClr>
           </a:solidFill>
           <a:ln>
             <a:solidFill>
-              <a:schemeClr val="accent2"/>
+              <a:schemeClr val="accent4">
+                <a:lumMod val="75000"/>
+              </a:schemeClr>
             </a:solidFill>
           </a:ln>
         </p:spPr>
@@ -4799,7 +4807,7 @@
           </a:solidFill>
           <a:ln w="19050">
             <a:solidFill>
-              <a:schemeClr val="accent6"/>
+              <a:schemeClr val="accent1"/>
             </a:solidFill>
           </a:ln>
         </p:spPr>
@@ -4827,10 +4835,10 @@
             <a:r>
               <a:rPr lang="en-GB" dirty="0">
                 <a:solidFill>
-                  <a:schemeClr val="accent6"/>
+                  <a:schemeClr val="tx1"/>
                 </a:solidFill>
               </a:rPr>
-              <a:t>Authenticate / Authorise</a:t>
+              <a:t>IAM</a:t>
             </a:r>
           </a:p>
         </p:txBody>
@@ -4951,8 +4959,8 @@
         </p:nvGrpSpPr>
         <p:grpSpPr>
           <a:xfrm>
-            <a:off x="424997" y="463639"/>
-            <a:ext cx="10998564" cy="1986566"/>
+            <a:off x="424996" y="463637"/>
+            <a:ext cx="8281121" cy="3362607"/>
             <a:chOff x="682574" y="1442434"/>
             <a:chExt cx="6825809" cy="1986566"/>
           </a:xfrm>
@@ -5019,8 +5027,8 @@
           </p:nvSpPr>
           <p:spPr>
             <a:xfrm>
-              <a:off x="682574" y="1442434"/>
-              <a:ext cx="1198916" cy="426076"/>
+              <a:off x="682574" y="1442435"/>
+              <a:ext cx="4352855" cy="289128"/>
             </a:xfrm>
             <a:prstGeom prst="rect">
               <a:avLst/>
@@ -5059,12 +5067,939 @@
                     <a:schemeClr val="tx1"/>
                   </a:solidFill>
                 </a:rPr>
-                <a:t>Manage Files</a:t>
+                <a:t>Manage Files (function list) – UK Land Registry</a:t>
               </a:r>
             </a:p>
           </p:txBody>
         </p:sp>
       </p:grpSp>
+      <p:sp>
+        <p:nvSpPr>
+          <p:cNvPr id="2" name="Rectangle 1">
+            <a:extLst>
+              <a:ext uri="{FF2B5EF4-FFF2-40B4-BE49-F238E27FC236}">
+                <a16:creationId xmlns:a16="http://schemas.microsoft.com/office/drawing/2014/main" id="{B4D9D38F-2BCF-4F56-BB16-10AA9A709656}"/>
+              </a:ext>
+            </a:extLst>
+          </p:cNvPr>
+          <p:cNvSpPr/>
+          <p:nvPr/>
+        </p:nvSpPr>
+        <p:spPr>
+          <a:xfrm>
+            <a:off x="2655195" y="1599014"/>
+            <a:ext cx="1772992" cy="244698"/>
+          </a:xfrm>
+          <a:prstGeom prst="rect">
+            <a:avLst/>
+          </a:prstGeom>
+          <a:solidFill>
+            <a:schemeClr val="accent2">
+              <a:lumMod val="20000"/>
+              <a:lumOff val="80000"/>
+            </a:schemeClr>
+          </a:solidFill>
+          <a:ln>
+            <a:solidFill>
+              <a:schemeClr val="accent2"/>
+            </a:solidFill>
+          </a:ln>
+        </p:spPr>
+        <p:style>
+          <a:lnRef idx="2">
+            <a:schemeClr val="accent1">
+              <a:shade val="50000"/>
+            </a:schemeClr>
+          </a:lnRef>
+          <a:fillRef idx="1">
+            <a:schemeClr val="accent1"/>
+          </a:fillRef>
+          <a:effectRef idx="0">
+            <a:schemeClr val="accent1"/>
+          </a:effectRef>
+          <a:fontRef idx="minor">
+            <a:schemeClr val="lt1"/>
+          </a:fontRef>
+        </p:style>
+        <p:txBody>
+          <a:bodyPr rtlCol="0" anchor="ctr"/>
+          <a:lstStyle/>
+          <a:p>
+            <a:pPr algn="ctr"/>
+            <a:r>
+              <a:rPr lang="en-GB" sz="1200" dirty="0">
+                <a:solidFill>
+                  <a:schemeClr val="tx1"/>
+                </a:solidFill>
+              </a:rPr>
+              <a:t>Get Yearly File</a:t>
+            </a:r>
+          </a:p>
+        </p:txBody>
+      </p:sp>
+      <p:sp>
+        <p:nvSpPr>
+          <p:cNvPr id="8" name="Rectangle 7">
+            <a:extLst>
+              <a:ext uri="{FF2B5EF4-FFF2-40B4-BE49-F238E27FC236}">
+                <a16:creationId xmlns:a16="http://schemas.microsoft.com/office/drawing/2014/main" id="{C9497ABD-8F50-45A1-AB2F-5E40AEF71C5A}"/>
+              </a:ext>
+            </a:extLst>
+          </p:cNvPr>
+          <p:cNvSpPr/>
+          <p:nvPr/>
+        </p:nvSpPr>
+        <p:spPr>
+          <a:xfrm>
+            <a:off x="6705031" y="1232442"/>
+            <a:ext cx="1772992" cy="244698"/>
+          </a:xfrm>
+          <a:prstGeom prst="rect">
+            <a:avLst/>
+          </a:prstGeom>
+          <a:solidFill>
+            <a:schemeClr val="accent6">
+              <a:lumMod val="20000"/>
+              <a:lumOff val="80000"/>
+            </a:schemeClr>
+          </a:solidFill>
+          <a:ln>
+            <a:solidFill>
+              <a:schemeClr val="accent6">
+                <a:lumMod val="75000"/>
+              </a:schemeClr>
+            </a:solidFill>
+          </a:ln>
+        </p:spPr>
+        <p:style>
+          <a:lnRef idx="2">
+            <a:schemeClr val="accent1">
+              <a:shade val="50000"/>
+            </a:schemeClr>
+          </a:lnRef>
+          <a:fillRef idx="1">
+            <a:schemeClr val="accent1"/>
+          </a:fillRef>
+          <a:effectRef idx="0">
+            <a:schemeClr val="accent1"/>
+          </a:effectRef>
+          <a:fontRef idx="minor">
+            <a:schemeClr val="lt1"/>
+          </a:fontRef>
+        </p:style>
+        <p:txBody>
+          <a:bodyPr rtlCol="0" anchor="ctr"/>
+          <a:lstStyle/>
+          <a:p>
+            <a:pPr algn="ctr"/>
+            <a:r>
+              <a:rPr lang="en-GB" sz="1200" dirty="0">
+                <a:solidFill>
+                  <a:schemeClr val="tx1"/>
+                </a:solidFill>
+              </a:rPr>
+              <a:t>Open File</a:t>
+            </a:r>
+          </a:p>
+        </p:txBody>
+      </p:sp>
+      <p:sp>
+        <p:nvSpPr>
+          <p:cNvPr id="9" name="Rectangle 8">
+            <a:extLst>
+              <a:ext uri="{FF2B5EF4-FFF2-40B4-BE49-F238E27FC236}">
+                <a16:creationId xmlns:a16="http://schemas.microsoft.com/office/drawing/2014/main" id="{8C11692A-8D91-480C-8800-E2451C24C8FA}"/>
+              </a:ext>
+            </a:extLst>
+          </p:cNvPr>
+          <p:cNvSpPr/>
+          <p:nvPr/>
+        </p:nvSpPr>
+        <p:spPr>
+          <a:xfrm>
+            <a:off x="583843" y="1232442"/>
+            <a:ext cx="1772992" cy="244698"/>
+          </a:xfrm>
+          <a:prstGeom prst="rect">
+            <a:avLst/>
+          </a:prstGeom>
+          <a:solidFill>
+            <a:schemeClr val="accent4">
+              <a:lumMod val="40000"/>
+              <a:lumOff val="60000"/>
+            </a:schemeClr>
+          </a:solidFill>
+          <a:ln>
+            <a:solidFill>
+              <a:schemeClr val="accent4">
+                <a:lumMod val="75000"/>
+              </a:schemeClr>
+            </a:solidFill>
+          </a:ln>
+        </p:spPr>
+        <p:style>
+          <a:lnRef idx="2">
+            <a:schemeClr val="accent1">
+              <a:shade val="50000"/>
+            </a:schemeClr>
+          </a:lnRef>
+          <a:fillRef idx="1">
+            <a:schemeClr val="accent1"/>
+          </a:fillRef>
+          <a:effectRef idx="0">
+            <a:schemeClr val="accent1"/>
+          </a:effectRef>
+          <a:fontRef idx="minor">
+            <a:schemeClr val="lt1"/>
+          </a:fontRef>
+        </p:style>
+        <p:txBody>
+          <a:bodyPr rot="0" spcFirstLastPara="0" vertOverflow="overflow" horzOverflow="overflow" vert="horz" wrap="square" lIns="91440" tIns="45720" rIns="91440" bIns="45720" numCol="1" spcCol="0" rtlCol="0" fromWordArt="0" anchor="ctr" anchorCtr="0" forceAA="0" compatLnSpc="1">
+            <a:prstTxWarp prst="textNoShape">
+              <a:avLst/>
+            </a:prstTxWarp>
+            <a:noAutofit/>
+          </a:bodyPr>
+          <a:lstStyle/>
+          <a:p>
+            <a:pPr algn="ctr"/>
+            <a:r>
+              <a:rPr lang="en-GB" sz="1200" dirty="0">
+                <a:solidFill>
+                  <a:schemeClr val="tx1"/>
+                </a:solidFill>
+              </a:rPr>
+              <a:t>Fetch From URL</a:t>
+            </a:r>
+          </a:p>
+        </p:txBody>
+      </p:sp>
+      <p:sp>
+        <p:nvSpPr>
+          <p:cNvPr id="10" name="Rectangle 9">
+            <a:extLst>
+              <a:ext uri="{FF2B5EF4-FFF2-40B4-BE49-F238E27FC236}">
+                <a16:creationId xmlns:a16="http://schemas.microsoft.com/office/drawing/2014/main" id="{045F26D4-FABD-41E2-BA1F-AC8E800C902E}"/>
+              </a:ext>
+            </a:extLst>
+          </p:cNvPr>
+          <p:cNvSpPr/>
+          <p:nvPr/>
+        </p:nvSpPr>
+        <p:spPr>
+          <a:xfrm>
+            <a:off x="2655195" y="1232442"/>
+            <a:ext cx="1772992" cy="244698"/>
+          </a:xfrm>
+          <a:prstGeom prst="rect">
+            <a:avLst/>
+          </a:prstGeom>
+          <a:solidFill>
+            <a:schemeClr val="accent2">
+              <a:lumMod val="20000"/>
+              <a:lumOff val="80000"/>
+            </a:schemeClr>
+          </a:solidFill>
+          <a:ln>
+            <a:solidFill>
+              <a:schemeClr val="accent2"/>
+            </a:solidFill>
+          </a:ln>
+        </p:spPr>
+        <p:style>
+          <a:lnRef idx="2">
+            <a:schemeClr val="accent1">
+              <a:shade val="50000"/>
+            </a:schemeClr>
+          </a:lnRef>
+          <a:fillRef idx="1">
+            <a:schemeClr val="accent1"/>
+          </a:fillRef>
+          <a:effectRef idx="0">
+            <a:schemeClr val="accent1"/>
+          </a:effectRef>
+          <a:fontRef idx="minor">
+            <a:schemeClr val="lt1"/>
+          </a:fontRef>
+        </p:style>
+        <p:txBody>
+          <a:bodyPr rtlCol="0" anchor="ctr"/>
+          <a:lstStyle/>
+          <a:p>
+            <a:pPr algn="ctr"/>
+            <a:r>
+              <a:rPr lang="en-GB" sz="1200" dirty="0">
+                <a:solidFill>
+                  <a:schemeClr val="tx1"/>
+                </a:solidFill>
+              </a:rPr>
+              <a:t>Get Latest File</a:t>
+            </a:r>
+          </a:p>
+        </p:txBody>
+      </p:sp>
+      <p:sp>
+        <p:nvSpPr>
+          <p:cNvPr id="11" name="Rectangle 10">
+            <a:extLst>
+              <a:ext uri="{FF2B5EF4-FFF2-40B4-BE49-F238E27FC236}">
+                <a16:creationId xmlns:a16="http://schemas.microsoft.com/office/drawing/2014/main" id="{834F306F-7154-4670-AA96-19A12846B553}"/>
+              </a:ext>
+            </a:extLst>
+          </p:cNvPr>
+          <p:cNvSpPr/>
+          <p:nvPr/>
+        </p:nvSpPr>
+        <p:spPr>
+          <a:xfrm>
+            <a:off x="6705031" y="1592686"/>
+            <a:ext cx="1772992" cy="244698"/>
+          </a:xfrm>
+          <a:prstGeom prst="rect">
+            <a:avLst/>
+          </a:prstGeom>
+          <a:solidFill>
+            <a:schemeClr val="accent6">
+              <a:lumMod val="20000"/>
+              <a:lumOff val="80000"/>
+            </a:schemeClr>
+          </a:solidFill>
+          <a:ln>
+            <a:solidFill>
+              <a:schemeClr val="accent6">
+                <a:lumMod val="75000"/>
+              </a:schemeClr>
+            </a:solidFill>
+          </a:ln>
+        </p:spPr>
+        <p:style>
+          <a:lnRef idx="2">
+            <a:schemeClr val="accent1">
+              <a:shade val="50000"/>
+            </a:schemeClr>
+          </a:lnRef>
+          <a:fillRef idx="1">
+            <a:schemeClr val="accent1"/>
+          </a:fillRef>
+          <a:effectRef idx="0">
+            <a:schemeClr val="accent1"/>
+          </a:effectRef>
+          <a:fontRef idx="minor">
+            <a:schemeClr val="lt1"/>
+          </a:fontRef>
+        </p:style>
+        <p:txBody>
+          <a:bodyPr rtlCol="0" anchor="ctr"/>
+          <a:lstStyle/>
+          <a:p>
+            <a:pPr algn="ctr"/>
+            <a:r>
+              <a:rPr lang="en-GB" sz="1200" dirty="0">
+                <a:solidFill>
+                  <a:schemeClr val="tx1"/>
+                </a:solidFill>
+              </a:rPr>
+              <a:t>Read Next Record</a:t>
+            </a:r>
+          </a:p>
+        </p:txBody>
+      </p:sp>
+      <p:sp>
+        <p:nvSpPr>
+          <p:cNvPr id="3" name="TextBox 2">
+            <a:extLst>
+              <a:ext uri="{FF2B5EF4-FFF2-40B4-BE49-F238E27FC236}">
+                <a16:creationId xmlns:a16="http://schemas.microsoft.com/office/drawing/2014/main" id="{98696200-B789-457D-9E0F-81984C883AEF}"/>
+              </a:ext>
+            </a:extLst>
+          </p:cNvPr>
+          <p:cNvSpPr txBox="1"/>
+          <p:nvPr/>
+        </p:nvSpPr>
+        <p:spPr>
+          <a:xfrm>
+            <a:off x="8869251" y="461477"/>
+            <a:ext cx="2897752" cy="1015663"/>
+          </a:xfrm>
+          <a:prstGeom prst="rect">
+            <a:avLst/>
+          </a:prstGeom>
+          <a:noFill/>
+        </p:spPr>
+        <p:txBody>
+          <a:bodyPr wrap="square" rtlCol="0">
+            <a:spAutoFit/>
+          </a:bodyPr>
+          <a:lstStyle/>
+          <a:p>
+            <a:r>
+              <a:rPr lang="en-GB" dirty="0">
+                <a:solidFill>
+                  <a:schemeClr val="accent2">
+                    <a:lumMod val="75000"/>
+                  </a:schemeClr>
+                </a:solidFill>
+              </a:rPr>
+              <a:t>Design Considerations:</a:t>
+            </a:r>
+          </a:p>
+          <a:p>
+            <a:pPr marL="285750" indent="-285750">
+              <a:buFont typeface="Arial" panose="020B0604020202020204" pitchFamily="34" charset="0"/>
+              <a:buChar char="•"/>
+            </a:pPr>
+            <a:r>
+              <a:rPr lang="en-GB" sz="1400" dirty="0"/>
+              <a:t>Minimise memory &amp; CPU usage</a:t>
+            </a:r>
+          </a:p>
+          <a:p>
+            <a:pPr marL="285750" indent="-285750">
+              <a:buFont typeface="Arial" panose="020B0604020202020204" pitchFamily="34" charset="0"/>
+              <a:buChar char="•"/>
+            </a:pPr>
+            <a:r>
+              <a:rPr lang="en-GB" sz="1400" dirty="0"/>
+              <a:t>Avoid parallel reads/writes</a:t>
+            </a:r>
+          </a:p>
+          <a:p>
+            <a:pPr marL="285750" indent="-285750">
+              <a:buFont typeface="Arial" panose="020B0604020202020204" pitchFamily="34" charset="0"/>
+              <a:buChar char="•"/>
+            </a:pPr>
+            <a:r>
+              <a:rPr lang="en-GB" sz="1400" dirty="0"/>
+              <a:t>Time not critical</a:t>
+            </a:r>
+          </a:p>
+        </p:txBody>
+      </p:sp>
+      <p:sp>
+        <p:nvSpPr>
+          <p:cNvPr id="12" name="Rectangle 11">
+            <a:extLst>
+              <a:ext uri="{FF2B5EF4-FFF2-40B4-BE49-F238E27FC236}">
+                <a16:creationId xmlns:a16="http://schemas.microsoft.com/office/drawing/2014/main" id="{6F3F03BF-EB5E-425D-B38A-BCEB1DFEADAC}"/>
+              </a:ext>
+            </a:extLst>
+          </p:cNvPr>
+          <p:cNvSpPr/>
+          <p:nvPr/>
+        </p:nvSpPr>
+        <p:spPr>
+          <a:xfrm>
+            <a:off x="4703945" y="1232442"/>
+            <a:ext cx="1772992" cy="244698"/>
+          </a:xfrm>
+          <a:prstGeom prst="rect">
+            <a:avLst/>
+          </a:prstGeom>
+          <a:solidFill>
+            <a:schemeClr val="accent2">
+              <a:lumMod val="20000"/>
+              <a:lumOff val="80000"/>
+            </a:schemeClr>
+          </a:solidFill>
+          <a:ln>
+            <a:solidFill>
+              <a:schemeClr val="accent2"/>
+            </a:solidFill>
+          </a:ln>
+        </p:spPr>
+        <p:style>
+          <a:lnRef idx="2">
+            <a:schemeClr val="accent1">
+              <a:shade val="50000"/>
+            </a:schemeClr>
+          </a:lnRef>
+          <a:fillRef idx="1">
+            <a:schemeClr val="accent1"/>
+          </a:fillRef>
+          <a:effectRef idx="0">
+            <a:schemeClr val="accent1"/>
+          </a:effectRef>
+          <a:fontRef idx="minor">
+            <a:schemeClr val="lt1"/>
+          </a:fontRef>
+        </p:style>
+        <p:txBody>
+          <a:bodyPr rtlCol="0" anchor="ctr"/>
+          <a:lstStyle/>
+          <a:p>
+            <a:pPr algn="ctr"/>
+            <a:r>
+              <a:rPr lang="en-GB" sz="1200" dirty="0">
+                <a:solidFill>
+                  <a:schemeClr val="tx1"/>
+                </a:solidFill>
+              </a:rPr>
+              <a:t>Process Record</a:t>
+            </a:r>
+          </a:p>
+        </p:txBody>
+      </p:sp>
+      <p:sp>
+        <p:nvSpPr>
+          <p:cNvPr id="13" name="Rectangle 12">
+            <a:extLst>
+              <a:ext uri="{FF2B5EF4-FFF2-40B4-BE49-F238E27FC236}">
+                <a16:creationId xmlns:a16="http://schemas.microsoft.com/office/drawing/2014/main" id="{8073AE65-C138-46FF-91E8-45AF221C0A73}"/>
+              </a:ext>
+            </a:extLst>
+          </p:cNvPr>
+          <p:cNvSpPr/>
+          <p:nvPr/>
+        </p:nvSpPr>
+        <p:spPr>
+          <a:xfrm>
+            <a:off x="6705031" y="2771230"/>
+            <a:ext cx="1772992" cy="244698"/>
+          </a:xfrm>
+          <a:prstGeom prst="rect">
+            <a:avLst/>
+          </a:prstGeom>
+          <a:solidFill>
+            <a:schemeClr val="accent6">
+              <a:lumMod val="20000"/>
+              <a:lumOff val="80000"/>
+            </a:schemeClr>
+          </a:solidFill>
+          <a:ln>
+            <a:solidFill>
+              <a:schemeClr val="accent6">
+                <a:lumMod val="75000"/>
+              </a:schemeClr>
+            </a:solidFill>
+          </a:ln>
+        </p:spPr>
+        <p:style>
+          <a:lnRef idx="2">
+            <a:schemeClr val="accent1">
+              <a:shade val="50000"/>
+            </a:schemeClr>
+          </a:lnRef>
+          <a:fillRef idx="1">
+            <a:schemeClr val="accent1"/>
+          </a:fillRef>
+          <a:effectRef idx="0">
+            <a:schemeClr val="accent1"/>
+          </a:effectRef>
+          <a:fontRef idx="minor">
+            <a:schemeClr val="lt1"/>
+          </a:fontRef>
+        </p:style>
+        <p:txBody>
+          <a:bodyPr rtlCol="0" anchor="ctr"/>
+          <a:lstStyle/>
+          <a:p>
+            <a:pPr algn="ctr"/>
+            <a:r>
+              <a:rPr lang="en-GB" sz="1200" dirty="0">
+                <a:solidFill>
+                  <a:schemeClr val="tx1"/>
+                </a:solidFill>
+              </a:rPr>
+              <a:t>Write File</a:t>
+            </a:r>
+          </a:p>
+        </p:txBody>
+      </p:sp>
+      <p:sp>
+        <p:nvSpPr>
+          <p:cNvPr id="14" name="Rectangle 13">
+            <a:extLst>
+              <a:ext uri="{FF2B5EF4-FFF2-40B4-BE49-F238E27FC236}">
+                <a16:creationId xmlns:a16="http://schemas.microsoft.com/office/drawing/2014/main" id="{00308F18-762F-4487-A269-AF61878B2601}"/>
+              </a:ext>
+            </a:extLst>
+          </p:cNvPr>
+          <p:cNvSpPr/>
+          <p:nvPr/>
+        </p:nvSpPr>
+        <p:spPr>
+          <a:xfrm>
+            <a:off x="4703945" y="1592686"/>
+            <a:ext cx="1772992" cy="244698"/>
+          </a:xfrm>
+          <a:prstGeom prst="rect">
+            <a:avLst/>
+          </a:prstGeom>
+          <a:solidFill>
+            <a:schemeClr val="accent2">
+              <a:lumMod val="20000"/>
+              <a:lumOff val="80000"/>
+            </a:schemeClr>
+          </a:solidFill>
+          <a:ln>
+            <a:solidFill>
+              <a:schemeClr val="accent2"/>
+            </a:solidFill>
+          </a:ln>
+        </p:spPr>
+        <p:style>
+          <a:lnRef idx="2">
+            <a:schemeClr val="accent1">
+              <a:shade val="50000"/>
+            </a:schemeClr>
+          </a:lnRef>
+          <a:fillRef idx="1">
+            <a:schemeClr val="accent1"/>
+          </a:fillRef>
+          <a:effectRef idx="0">
+            <a:schemeClr val="accent1"/>
+          </a:effectRef>
+          <a:fontRef idx="minor">
+            <a:schemeClr val="lt1"/>
+          </a:fontRef>
+        </p:style>
+        <p:txBody>
+          <a:bodyPr rtlCol="0" anchor="ctr"/>
+          <a:lstStyle/>
+          <a:p>
+            <a:pPr algn="ctr"/>
+            <a:r>
+              <a:rPr lang="en-GB" sz="1200" dirty="0">
+                <a:solidFill>
+                  <a:schemeClr val="tx1"/>
+                </a:solidFill>
+              </a:rPr>
+              <a:t>Identify Post-Code</a:t>
+            </a:r>
+          </a:p>
+        </p:txBody>
+      </p:sp>
+      <p:sp>
+        <p:nvSpPr>
+          <p:cNvPr id="15" name="Rectangle 14">
+            <a:extLst>
+              <a:ext uri="{FF2B5EF4-FFF2-40B4-BE49-F238E27FC236}">
+                <a16:creationId xmlns:a16="http://schemas.microsoft.com/office/drawing/2014/main" id="{709158D3-1CF0-4701-A130-100A5F9B7D3B}"/>
+              </a:ext>
+            </a:extLst>
+          </p:cNvPr>
+          <p:cNvSpPr/>
+          <p:nvPr/>
+        </p:nvSpPr>
+        <p:spPr>
+          <a:xfrm>
+            <a:off x="4703945" y="1985580"/>
+            <a:ext cx="1772992" cy="244698"/>
+          </a:xfrm>
+          <a:prstGeom prst="rect">
+            <a:avLst/>
+          </a:prstGeom>
+          <a:solidFill>
+            <a:schemeClr val="accent2">
+              <a:lumMod val="20000"/>
+              <a:lumOff val="80000"/>
+            </a:schemeClr>
+          </a:solidFill>
+          <a:ln>
+            <a:solidFill>
+              <a:schemeClr val="accent2"/>
+            </a:solidFill>
+          </a:ln>
+        </p:spPr>
+        <p:style>
+          <a:lnRef idx="2">
+            <a:schemeClr val="accent1">
+              <a:shade val="50000"/>
+            </a:schemeClr>
+          </a:lnRef>
+          <a:fillRef idx="1">
+            <a:schemeClr val="accent1"/>
+          </a:fillRef>
+          <a:effectRef idx="0">
+            <a:schemeClr val="accent1"/>
+          </a:effectRef>
+          <a:fontRef idx="minor">
+            <a:schemeClr val="lt1"/>
+          </a:fontRef>
+        </p:style>
+        <p:txBody>
+          <a:bodyPr rtlCol="0" anchor="ctr"/>
+          <a:lstStyle/>
+          <a:p>
+            <a:pPr algn="ctr"/>
+            <a:r>
+              <a:rPr lang="en-GB" sz="1200" dirty="0">
+                <a:solidFill>
+                  <a:schemeClr val="tx1"/>
+                </a:solidFill>
+              </a:rPr>
+              <a:t>Add to Post-Code Array</a:t>
+            </a:r>
+          </a:p>
+        </p:txBody>
+      </p:sp>
+      <p:sp>
+        <p:nvSpPr>
+          <p:cNvPr id="17" name="TextBox 16">
+            <a:extLst>
+              <a:ext uri="{FF2B5EF4-FFF2-40B4-BE49-F238E27FC236}">
+                <a16:creationId xmlns:a16="http://schemas.microsoft.com/office/drawing/2014/main" id="{A739178B-6B9A-4476-B3D0-3C5068D89B3C}"/>
+              </a:ext>
+            </a:extLst>
+          </p:cNvPr>
+          <p:cNvSpPr txBox="1"/>
+          <p:nvPr/>
+        </p:nvSpPr>
+        <p:spPr>
+          <a:xfrm>
+            <a:off x="8869251" y="1517921"/>
+            <a:ext cx="2897752" cy="2092881"/>
+          </a:xfrm>
+          <a:prstGeom prst="rect">
+            <a:avLst/>
+          </a:prstGeom>
+          <a:noFill/>
+        </p:spPr>
+        <p:txBody>
+          <a:bodyPr wrap="square" rtlCol="0">
+            <a:spAutoFit/>
+          </a:bodyPr>
+          <a:lstStyle/>
+          <a:p>
+            <a:r>
+              <a:rPr lang="en-GB" dirty="0">
+                <a:solidFill>
+                  <a:schemeClr val="accent2">
+                    <a:lumMod val="75000"/>
+                  </a:schemeClr>
+                </a:solidFill>
+              </a:rPr>
+              <a:t>Process Summary:</a:t>
+            </a:r>
+          </a:p>
+          <a:p>
+            <a:pPr marL="342900" indent="-342900">
+              <a:buFont typeface="+mj-lt"/>
+              <a:buAutoNum type="arabicPeriod"/>
+            </a:pPr>
+            <a:r>
+              <a:rPr lang="en-GB" sz="1400" dirty="0"/>
+              <a:t>Read the input file and create a new data file for each discovered post-code.  </a:t>
+            </a:r>
+          </a:p>
+          <a:p>
+            <a:pPr marL="342900" indent="-342900">
+              <a:buFont typeface="+mj-lt"/>
+              <a:buAutoNum type="arabicPeriod"/>
+            </a:pPr>
+            <a:r>
+              <a:rPr lang="en-GB" sz="1400" dirty="0"/>
+              <a:t>For each post-code save the records in-memory and flush at end.</a:t>
+            </a:r>
+          </a:p>
+          <a:p>
+            <a:pPr marL="342900" indent="-342900">
+              <a:buFont typeface="+mj-lt"/>
+              <a:buAutoNum type="arabicPeriod"/>
+            </a:pPr>
+            <a:r>
+              <a:rPr lang="en-GB" sz="1400" dirty="0"/>
+              <a:t>For non-processed records, discard until next read iteration</a:t>
+            </a:r>
+          </a:p>
+        </p:txBody>
+      </p:sp>
+      <p:sp>
+        <p:nvSpPr>
+          <p:cNvPr id="18" name="Rectangle 17">
+            <a:extLst>
+              <a:ext uri="{FF2B5EF4-FFF2-40B4-BE49-F238E27FC236}">
+                <a16:creationId xmlns:a16="http://schemas.microsoft.com/office/drawing/2014/main" id="{B22F9890-5AF4-4E09-BE7D-AEEAEB291F09}"/>
+              </a:ext>
+            </a:extLst>
+          </p:cNvPr>
+          <p:cNvSpPr/>
+          <p:nvPr/>
+        </p:nvSpPr>
+        <p:spPr>
+          <a:xfrm>
+            <a:off x="6705031" y="3158340"/>
+            <a:ext cx="1772992" cy="244698"/>
+          </a:xfrm>
+          <a:prstGeom prst="rect">
+            <a:avLst/>
+          </a:prstGeom>
+          <a:solidFill>
+            <a:schemeClr val="accent6">
+              <a:lumMod val="20000"/>
+              <a:lumOff val="80000"/>
+            </a:schemeClr>
+          </a:solidFill>
+          <a:ln>
+            <a:solidFill>
+              <a:schemeClr val="accent6">
+                <a:lumMod val="75000"/>
+              </a:schemeClr>
+            </a:solidFill>
+          </a:ln>
+        </p:spPr>
+        <p:style>
+          <a:lnRef idx="2">
+            <a:schemeClr val="accent1">
+              <a:shade val="50000"/>
+            </a:schemeClr>
+          </a:lnRef>
+          <a:fillRef idx="1">
+            <a:schemeClr val="accent1"/>
+          </a:fillRef>
+          <a:effectRef idx="0">
+            <a:schemeClr val="accent1"/>
+          </a:effectRef>
+          <a:fontRef idx="minor">
+            <a:schemeClr val="lt1"/>
+          </a:fontRef>
+        </p:style>
+        <p:txBody>
+          <a:bodyPr rtlCol="0" anchor="ctr"/>
+          <a:lstStyle/>
+          <a:p>
+            <a:pPr algn="ctr"/>
+            <a:r>
+              <a:rPr lang="en-GB" sz="1200" dirty="0">
+                <a:solidFill>
+                  <a:schemeClr val="tx1"/>
+                </a:solidFill>
+              </a:rPr>
+              <a:t>Remove File</a:t>
+            </a:r>
+          </a:p>
+        </p:txBody>
+      </p:sp>
+      <p:sp>
+        <p:nvSpPr>
+          <p:cNvPr id="19" name="Rectangle 18">
+            <a:extLst>
+              <a:ext uri="{FF2B5EF4-FFF2-40B4-BE49-F238E27FC236}">
+                <a16:creationId xmlns:a16="http://schemas.microsoft.com/office/drawing/2014/main" id="{7F5264B2-3789-4962-AA55-2770C7AACB71}"/>
+              </a:ext>
+            </a:extLst>
+          </p:cNvPr>
+          <p:cNvSpPr/>
+          <p:nvPr/>
+        </p:nvSpPr>
+        <p:spPr>
+          <a:xfrm>
+            <a:off x="4703945" y="2378474"/>
+            <a:ext cx="1772992" cy="244698"/>
+          </a:xfrm>
+          <a:prstGeom prst="rect">
+            <a:avLst/>
+          </a:prstGeom>
+          <a:solidFill>
+            <a:schemeClr val="accent2">
+              <a:lumMod val="20000"/>
+              <a:lumOff val="80000"/>
+            </a:schemeClr>
+          </a:solidFill>
+          <a:ln>
+            <a:solidFill>
+              <a:schemeClr val="accent2"/>
+            </a:solidFill>
+          </a:ln>
+        </p:spPr>
+        <p:style>
+          <a:lnRef idx="2">
+            <a:schemeClr val="accent1">
+              <a:shade val="50000"/>
+            </a:schemeClr>
+          </a:lnRef>
+          <a:fillRef idx="1">
+            <a:schemeClr val="accent1"/>
+          </a:fillRef>
+          <a:effectRef idx="0">
+            <a:schemeClr val="accent1"/>
+          </a:effectRef>
+          <a:fontRef idx="minor">
+            <a:schemeClr val="lt1"/>
+          </a:fontRef>
+        </p:style>
+        <p:txBody>
+          <a:bodyPr rtlCol="0" anchor="ctr"/>
+          <a:lstStyle/>
+          <a:p>
+            <a:pPr algn="ctr"/>
+            <a:r>
+              <a:rPr lang="en-GB" sz="1200" dirty="0">
+                <a:solidFill>
+                  <a:schemeClr val="tx1"/>
+                </a:solidFill>
+              </a:rPr>
+              <a:t>Create Post-Code File</a:t>
+            </a:r>
+          </a:p>
+        </p:txBody>
+      </p:sp>
+      <p:sp>
+        <p:nvSpPr>
+          <p:cNvPr id="20" name="Rectangle 19">
+            <a:extLst>
+              <a:ext uri="{FF2B5EF4-FFF2-40B4-BE49-F238E27FC236}">
+                <a16:creationId xmlns:a16="http://schemas.microsoft.com/office/drawing/2014/main" id="{7EF96CE5-5933-4535-9707-60CBD394E756}"/>
+              </a:ext>
+            </a:extLst>
+          </p:cNvPr>
+          <p:cNvSpPr/>
+          <p:nvPr/>
+        </p:nvSpPr>
+        <p:spPr>
+          <a:xfrm>
+            <a:off x="6705031" y="1982871"/>
+            <a:ext cx="1772992" cy="244698"/>
+          </a:xfrm>
+          <a:prstGeom prst="rect">
+            <a:avLst/>
+          </a:prstGeom>
+          <a:solidFill>
+            <a:schemeClr val="accent6">
+              <a:lumMod val="20000"/>
+              <a:lumOff val="80000"/>
+            </a:schemeClr>
+          </a:solidFill>
+          <a:ln>
+            <a:solidFill>
+              <a:schemeClr val="accent6">
+                <a:lumMod val="75000"/>
+              </a:schemeClr>
+            </a:solidFill>
+          </a:ln>
+        </p:spPr>
+        <p:style>
+          <a:lnRef idx="2">
+            <a:schemeClr val="accent1">
+              <a:shade val="50000"/>
+            </a:schemeClr>
+          </a:lnRef>
+          <a:fillRef idx="1">
+            <a:schemeClr val="accent1"/>
+          </a:fillRef>
+          <a:effectRef idx="0">
+            <a:schemeClr val="accent1"/>
+          </a:effectRef>
+          <a:fontRef idx="minor">
+            <a:schemeClr val="lt1"/>
+          </a:fontRef>
+        </p:style>
+        <p:txBody>
+          <a:bodyPr rtlCol="0" anchor="ctr"/>
+          <a:lstStyle/>
+          <a:p>
+            <a:pPr algn="ctr"/>
+            <a:r>
+              <a:rPr lang="en-GB" sz="1200" dirty="0">
+                <a:solidFill>
+                  <a:schemeClr val="tx1"/>
+                </a:solidFill>
+              </a:rPr>
+              <a:t>Real-Estate Model</a:t>
+            </a:r>
+          </a:p>
+        </p:txBody>
+      </p:sp>
     </p:spTree>
     <p:extLst>
       <p:ext uri="{BB962C8B-B14F-4D97-AF65-F5344CB8AC3E}">
